--- a/Arch.pptx
+++ b/Arch.pptx
@@ -107,6 +107,11 @@
       </a:defRPr>
     </a:lvl9pPr>
   </p:defaultTextStyle>
+  <p:extLst>
+    <p:ext uri="{EFAFB233-063F-42B5-8137-9DF3F51BA10A}">
+      <p15:sldGuideLst xmlns:p15="http://schemas.microsoft.com/office/powerpoint/2012/main"/>
+    </p:ext>
+  </p:extLst>
 </p:presentation>
 </file>
 
@@ -259,7 +264,7 @@
           <a:p>
             <a:fld id="{19DFA3F7-3159-4EC4-ADDB-CD244B044A7F}" type="datetimeFigureOut">
               <a:rPr lang="en-IN" smtClean="0"/>
-              <a:t>21-10-2024</a:t>
+              <a:t>22-10-2024</a:t>
             </a:fld>
             <a:endParaRPr lang="en-IN"/>
           </a:p>
@@ -459,7 +464,7 @@
           <a:p>
             <a:fld id="{19DFA3F7-3159-4EC4-ADDB-CD244B044A7F}" type="datetimeFigureOut">
               <a:rPr lang="en-IN" smtClean="0"/>
-              <a:t>21-10-2024</a:t>
+              <a:t>22-10-2024</a:t>
             </a:fld>
             <a:endParaRPr lang="en-IN"/>
           </a:p>
@@ -669,7 +674,7 @@
           <a:p>
             <a:fld id="{19DFA3F7-3159-4EC4-ADDB-CD244B044A7F}" type="datetimeFigureOut">
               <a:rPr lang="en-IN" smtClean="0"/>
-              <a:t>21-10-2024</a:t>
+              <a:t>22-10-2024</a:t>
             </a:fld>
             <a:endParaRPr lang="en-IN"/>
           </a:p>
@@ -869,7 +874,7 @@
           <a:p>
             <a:fld id="{19DFA3F7-3159-4EC4-ADDB-CD244B044A7F}" type="datetimeFigureOut">
               <a:rPr lang="en-IN" smtClean="0"/>
-              <a:t>21-10-2024</a:t>
+              <a:t>22-10-2024</a:t>
             </a:fld>
             <a:endParaRPr lang="en-IN"/>
           </a:p>
@@ -1145,7 +1150,7 @@
           <a:p>
             <a:fld id="{19DFA3F7-3159-4EC4-ADDB-CD244B044A7F}" type="datetimeFigureOut">
               <a:rPr lang="en-IN" smtClean="0"/>
-              <a:t>21-10-2024</a:t>
+              <a:t>22-10-2024</a:t>
             </a:fld>
             <a:endParaRPr lang="en-IN"/>
           </a:p>
@@ -1413,7 +1418,7 @@
           <a:p>
             <a:fld id="{19DFA3F7-3159-4EC4-ADDB-CD244B044A7F}" type="datetimeFigureOut">
               <a:rPr lang="en-IN" smtClean="0"/>
-              <a:t>21-10-2024</a:t>
+              <a:t>22-10-2024</a:t>
             </a:fld>
             <a:endParaRPr lang="en-IN"/>
           </a:p>
@@ -1828,7 +1833,7 @@
           <a:p>
             <a:fld id="{19DFA3F7-3159-4EC4-ADDB-CD244B044A7F}" type="datetimeFigureOut">
               <a:rPr lang="en-IN" smtClean="0"/>
-              <a:t>21-10-2024</a:t>
+              <a:t>22-10-2024</a:t>
             </a:fld>
             <a:endParaRPr lang="en-IN"/>
           </a:p>
@@ -1970,7 +1975,7 @@
           <a:p>
             <a:fld id="{19DFA3F7-3159-4EC4-ADDB-CD244B044A7F}" type="datetimeFigureOut">
               <a:rPr lang="en-IN" smtClean="0"/>
-              <a:t>21-10-2024</a:t>
+              <a:t>22-10-2024</a:t>
             </a:fld>
             <a:endParaRPr lang="en-IN"/>
           </a:p>
@@ -2083,7 +2088,7 @@
           <a:p>
             <a:fld id="{19DFA3F7-3159-4EC4-ADDB-CD244B044A7F}" type="datetimeFigureOut">
               <a:rPr lang="en-IN" smtClean="0"/>
-              <a:t>21-10-2024</a:t>
+              <a:t>22-10-2024</a:t>
             </a:fld>
             <a:endParaRPr lang="en-IN"/>
           </a:p>
@@ -2396,7 +2401,7 @@
           <a:p>
             <a:fld id="{19DFA3F7-3159-4EC4-ADDB-CD244B044A7F}" type="datetimeFigureOut">
               <a:rPr lang="en-IN" smtClean="0"/>
-              <a:t>21-10-2024</a:t>
+              <a:t>22-10-2024</a:t>
             </a:fld>
             <a:endParaRPr lang="en-IN"/>
           </a:p>
@@ -2685,7 +2690,7 @@
           <a:p>
             <a:fld id="{19DFA3F7-3159-4EC4-ADDB-CD244B044A7F}" type="datetimeFigureOut">
               <a:rPr lang="en-IN" smtClean="0"/>
-              <a:t>21-10-2024</a:t>
+              <a:t>22-10-2024</a:t>
             </a:fld>
             <a:endParaRPr lang="en-IN"/>
           </a:p>
@@ -2928,7 +2933,7 @@
           <a:p>
             <a:fld id="{19DFA3F7-3159-4EC4-ADDB-CD244B044A7F}" type="datetimeFigureOut">
               <a:rPr lang="en-IN" smtClean="0"/>
-              <a:t>21-10-2024</a:t>
+              <a:t>22-10-2024</a:t>
             </a:fld>
             <a:endParaRPr lang="en-IN"/>
           </a:p>
@@ -5955,7 +5960,9 @@
           </a:xfrm>
         </p:spPr>
         <p:txBody>
-          <a:bodyPr/>
+          <a:bodyPr>
+            <a:normAutofit/>
+          </a:bodyPr>
           <a:lstStyle/>
           <a:p>
             <a:pPr marL="0" indent="0">
@@ -6008,12 +6015,6 @@
             <a:pPr marL="0" indent="0">
               <a:buNone/>
             </a:pPr>
-            <a:endParaRPr lang="en-IN" sz="1600" dirty="0"/>
-          </a:p>
-          <a:p>
-            <a:pPr marL="0" indent="0">
-              <a:buNone/>
-            </a:pPr>
             <a:r>
               <a:rPr lang="en-IN" dirty="0"/>
               <a:t>Scope :</a:t>
@@ -6068,6 +6069,19 @@
             <a:r>
               <a:rPr lang="en-IN" sz="1600" dirty="0"/>
               <a:t>There could be memory limitations among the agents .</a:t>
+            </a:r>
+          </a:p>
+          <a:p>
+            <a:pPr marL="0" indent="0">
+              <a:buNone/>
+            </a:pPr>
+            <a:r>
+              <a:rPr lang="en-IN" sz="1600" dirty="0" err="1"/>
+              <a:t>LangGraph</a:t>
+            </a:r>
+            <a:r>
+              <a:rPr lang="en-IN" sz="1600" dirty="0"/>
+              <a:t> Stability in Production</a:t>
             </a:r>
           </a:p>
           <a:p>

--- a/Arch.pptx
+++ b/Arch.pptx
@@ -4042,7 +4042,7 @@
         </p:blipFill>
         <p:spPr>
           <a:xfrm>
-            <a:off x="1257689" y="2233337"/>
+            <a:off x="621981" y="2233337"/>
             <a:ext cx="495300" cy="438150"/>
           </a:xfrm>
           <a:prstGeom prst="rect">
@@ -4064,8 +4064,8 @@
         </p:nvSpPr>
         <p:spPr>
           <a:xfrm>
-            <a:off x="1129004" y="2864497"/>
-            <a:ext cx="923731" cy="707886"/>
+            <a:off x="433298" y="2719113"/>
+            <a:ext cx="847620" cy="584775"/>
           </a:xfrm>
           <a:prstGeom prst="rect">
             <a:avLst/>
@@ -4079,13 +4079,13 @@
           <a:lstStyle/>
           <a:p>
             <a:r>
-              <a:rPr lang="en-IN" sz="1000" dirty="0"/>
+              <a:rPr lang="en-IN" sz="800" dirty="0"/>
               <a:t>Custom Front End/Azure Bot Service/</a:t>
             </a:r>
           </a:p>
           <a:p>
             <a:r>
-              <a:rPr lang="en-IN" sz="1000" dirty="0"/>
+              <a:rPr lang="en-IN" sz="800" dirty="0"/>
               <a:t>Channels</a:t>
             </a:r>
           </a:p>
@@ -4268,10 +4268,10 @@
         </p:nvGrpSpPr>
         <p:grpSpPr>
           <a:xfrm>
-            <a:off x="4032191" y="4007909"/>
-            <a:ext cx="1708819" cy="799376"/>
-            <a:chOff x="3718203" y="354563"/>
-            <a:chExt cx="1708819" cy="1435862"/>
+            <a:off x="4032191" y="3980301"/>
+            <a:ext cx="1708819" cy="826984"/>
+            <a:chOff x="3718203" y="304973"/>
+            <a:chExt cx="1708819" cy="1485452"/>
           </a:xfrm>
         </p:grpSpPr>
         <p:pic>
@@ -4296,8 +4296,8 @@
           </p:blipFill>
           <p:spPr>
             <a:xfrm>
-              <a:off x="4157372" y="587829"/>
-              <a:ext cx="657225" cy="457200"/>
+              <a:off x="4141307" y="304973"/>
+              <a:ext cx="657225" cy="457199"/>
             </a:xfrm>
             <a:prstGeom prst="rect">
               <a:avLst/>
@@ -4348,8 +4348,8 @@
           </p:nvSpPr>
           <p:spPr>
             <a:xfrm>
-              <a:off x="3718203" y="1069100"/>
-              <a:ext cx="1450956" cy="246221"/>
+              <a:off x="3978474" y="681333"/>
+              <a:ext cx="1107202" cy="608120"/>
             </a:xfrm>
             <a:prstGeom prst="rect">
               <a:avLst/>
@@ -4363,8 +4363,8 @@
             <a:lstStyle/>
             <a:p>
               <a:r>
-                <a:rPr lang="en-IN" sz="1000" dirty="0"/>
-                <a:t>Azure Cognitive Search</a:t>
+                <a:rPr lang="en-IN" sz="800" dirty="0"/>
+                <a:t>Azure Cognitive Search/Chroma DB</a:t>
               </a:r>
             </a:p>
           </p:txBody>
@@ -4529,10 +4529,10 @@
         </p:nvGrpSpPr>
         <p:grpSpPr>
           <a:xfrm>
-            <a:off x="4193779" y="506963"/>
-            <a:ext cx="1385644" cy="918100"/>
-            <a:chOff x="3718202" y="354563"/>
-            <a:chExt cx="1708820" cy="1435862"/>
+            <a:off x="4091087" y="401888"/>
+            <a:ext cx="1385643" cy="918100"/>
+            <a:chOff x="3718203" y="354563"/>
+            <a:chExt cx="1708819" cy="1435862"/>
           </a:xfrm>
         </p:grpSpPr>
         <p:pic>
@@ -4557,7 +4557,7 @@
           </p:blipFill>
           <p:spPr>
             <a:xfrm>
-              <a:off x="4157372" y="587829"/>
+              <a:off x="4150933" y="382860"/>
               <a:ext cx="657225" cy="457200"/>
             </a:xfrm>
             <a:prstGeom prst="rect">
@@ -4609,8 +4609,8 @@
           </p:nvSpPr>
           <p:spPr>
             <a:xfrm>
-              <a:off x="3718202" y="1069100"/>
-              <a:ext cx="1653558" cy="336944"/>
+              <a:off x="3894997" y="840060"/>
+              <a:ext cx="1454634" cy="529481"/>
             </a:xfrm>
             <a:prstGeom prst="rect">
               <a:avLst/>
@@ -4625,7 +4625,7 @@
             <a:p>
               <a:r>
                 <a:rPr lang="en-IN" sz="800" dirty="0"/>
-                <a:t>Azure Cognitive Search</a:t>
+                <a:t>Azure Cognitive Search/Chroma DB</a:t>
               </a:r>
             </a:p>
           </p:txBody>
@@ -4692,10 +4692,10 @@
         </p:nvGrpSpPr>
         <p:grpSpPr>
           <a:xfrm>
-            <a:off x="4196542" y="2365291"/>
-            <a:ext cx="1450957" cy="866714"/>
-            <a:chOff x="3718203" y="354563"/>
-            <a:chExt cx="1708819" cy="1435862"/>
+            <a:off x="4196542" y="2357798"/>
+            <a:ext cx="1450957" cy="874207"/>
+            <a:chOff x="3718203" y="342150"/>
+            <a:chExt cx="1708819" cy="1448275"/>
           </a:xfrm>
         </p:grpSpPr>
         <p:pic>
@@ -4720,7 +4720,7 @@
           </p:blipFill>
           <p:spPr>
             <a:xfrm>
-              <a:off x="4157372" y="587829"/>
+              <a:off x="4158656" y="342150"/>
               <a:ext cx="657225" cy="457200"/>
             </a:xfrm>
             <a:prstGeom prst="rect">
@@ -4772,8 +4772,8 @@
           </p:nvSpPr>
           <p:spPr>
             <a:xfrm>
-              <a:off x="3718203" y="1069100"/>
-              <a:ext cx="1669037" cy="246221"/>
+              <a:off x="3977023" y="858417"/>
+              <a:ext cx="1410216" cy="560873"/>
             </a:xfrm>
             <a:prstGeom prst="rect">
               <a:avLst/>
@@ -4787,8 +4787,8 @@
             <a:lstStyle/>
             <a:p>
               <a:r>
-                <a:rPr lang="en-IN" sz="1000" dirty="0"/>
-                <a:t>Azure Cognitive Search</a:t>
+                <a:rPr lang="en-IN" sz="800" dirty="0"/>
+                <a:t>Azure Cognitive Search/Chroma Db</a:t>
               </a:r>
             </a:p>
           </p:txBody>
@@ -5105,12 +5105,12 @@
         </p:nvCxnSpPr>
         <p:spPr>
           <a:xfrm rot="5400000" flipH="1">
-            <a:off x="3925725" y="464187"/>
-            <a:ext cx="496175" cy="1425579"/>
+            <a:off x="3926917" y="462995"/>
+            <a:ext cx="391100" cy="1322887"/>
           </a:xfrm>
           <a:prstGeom prst="bentConnector3">
             <a:avLst>
-              <a:gd name="adj1" fmla="val -46072"/>
+              <a:gd name="adj1" fmla="val -58451"/>
             </a:avLst>
           </a:prstGeom>
           <a:ln>
@@ -5412,7 +5412,7 @@
         <p:spPr>
           <a:xfrm>
             <a:off x="305193" y="1345142"/>
-            <a:ext cx="1125382" cy="400110"/>
+            <a:ext cx="1125382" cy="553998"/>
           </a:xfrm>
           <a:prstGeom prst="rect">
             <a:avLst/>
@@ -5426,14 +5426,13 @@
           <a:lstStyle/>
           <a:p>
             <a:r>
-              <a:rPr lang="en-IN" sz="1000" dirty="0"/>
-              <a:t>No Response from </a:t>
-            </a:r>
-            <a:r>
               <a:rPr lang="en-IN" sz="1000" dirty="0" err="1"/>
               <a:t>SubAgent</a:t>
             </a:r>
-            <a:endParaRPr lang="en-IN" sz="1000" dirty="0"/>
+            <a:r>
+              <a:rPr lang="en-IN" sz="1000" dirty="0"/>
+              <a:t> Response for Ticket Creation</a:t>
+            </a:r>
           </a:p>
         </p:txBody>
       </p:sp>
@@ -5606,8 +5605,8 @@
         </p:nvCxnSpPr>
         <p:spPr>
           <a:xfrm flipV="1">
-            <a:off x="1752989" y="2444741"/>
-            <a:ext cx="595555" cy="7671"/>
+            <a:off x="1117281" y="2444741"/>
+            <a:ext cx="1231263" cy="7671"/>
           </a:xfrm>
           <a:prstGeom prst="straightConnector1">
             <a:avLst/>
@@ -5904,6 +5903,221 @@
               <a:rPr lang="en-IN" sz="1000" dirty="0"/>
               <a:t>8</a:t>
             </a:r>
+          </a:p>
+        </p:txBody>
+      </p:sp>
+      <p:sp>
+        <p:nvSpPr>
+          <p:cNvPr id="2" name="TextBox 1">
+            <a:extLst>
+              <a:ext uri="{FF2B5EF4-FFF2-40B4-BE49-F238E27FC236}">
+                <a16:creationId xmlns:a16="http://schemas.microsoft.com/office/drawing/2014/main" id="{85FFA3ED-BE89-0943-86D4-9EE12B26240C}"/>
+              </a:ext>
+            </a:extLst>
+          </p:cNvPr>
+          <p:cNvSpPr txBox="1"/>
+          <p:nvPr/>
+        </p:nvSpPr>
+        <p:spPr>
+          <a:xfrm>
+            <a:off x="3123515" y="3870912"/>
+            <a:ext cx="681388" cy="338554"/>
+          </a:xfrm>
+          <a:prstGeom prst="rect">
+            <a:avLst/>
+          </a:prstGeom>
+          <a:noFill/>
+        </p:spPr>
+        <p:txBody>
+          <a:bodyPr wrap="square" rtlCol="0">
+            <a:spAutoFit/>
+          </a:bodyPr>
+          <a:lstStyle/>
+          <a:p>
+            <a:r>
+              <a:rPr lang="en-IN" sz="800" dirty="0"/>
+              <a:t>Decision for SNW ticket</a:t>
+            </a:r>
+          </a:p>
+        </p:txBody>
+      </p:sp>
+      <p:sp>
+        <p:nvSpPr>
+          <p:cNvPr id="3" name="TextBox 2">
+            <a:extLst>
+              <a:ext uri="{FF2B5EF4-FFF2-40B4-BE49-F238E27FC236}">
+                <a16:creationId xmlns:a16="http://schemas.microsoft.com/office/drawing/2014/main" id="{C90F8629-FD77-0A98-3915-3DE6A74670B6}"/>
+              </a:ext>
+            </a:extLst>
+          </p:cNvPr>
+          <p:cNvSpPr txBox="1"/>
+          <p:nvPr/>
+        </p:nvSpPr>
+        <p:spPr>
+          <a:xfrm>
+            <a:off x="3128132" y="76846"/>
+            <a:ext cx="681388" cy="338554"/>
+          </a:xfrm>
+          <a:prstGeom prst="rect">
+            <a:avLst/>
+          </a:prstGeom>
+          <a:noFill/>
+        </p:spPr>
+        <p:txBody>
+          <a:bodyPr wrap="square" rtlCol="0">
+            <a:spAutoFit/>
+          </a:bodyPr>
+          <a:lstStyle/>
+          <a:p>
+            <a:r>
+              <a:rPr lang="en-IN" sz="800" dirty="0"/>
+              <a:t>Decision for SNW ticket</a:t>
+            </a:r>
+          </a:p>
+        </p:txBody>
+      </p:sp>
+      <p:sp>
+        <p:nvSpPr>
+          <p:cNvPr id="4" name="TextBox 3">
+            <a:extLst>
+              <a:ext uri="{FF2B5EF4-FFF2-40B4-BE49-F238E27FC236}">
+                <a16:creationId xmlns:a16="http://schemas.microsoft.com/office/drawing/2014/main" id="{94BAEE17-3FB8-1231-69D9-E7188776FBA7}"/>
+              </a:ext>
+            </a:extLst>
+          </p:cNvPr>
+          <p:cNvSpPr txBox="1"/>
+          <p:nvPr/>
+        </p:nvSpPr>
+        <p:spPr>
+          <a:xfrm>
+            <a:off x="3193686" y="1896353"/>
+            <a:ext cx="681388" cy="338554"/>
+          </a:xfrm>
+          <a:prstGeom prst="rect">
+            <a:avLst/>
+          </a:prstGeom>
+          <a:noFill/>
+        </p:spPr>
+        <p:txBody>
+          <a:bodyPr wrap="square" rtlCol="0">
+            <a:spAutoFit/>
+          </a:bodyPr>
+          <a:lstStyle/>
+          <a:p>
+            <a:r>
+              <a:rPr lang="en-IN" sz="800" dirty="0"/>
+              <a:t>Decision for SNW ticket</a:t>
+            </a:r>
+          </a:p>
+        </p:txBody>
+      </p:sp>
+      <p:sp>
+        <p:nvSpPr>
+          <p:cNvPr id="5" name="TextBox 4">
+            <a:extLst>
+              <a:ext uri="{FF2B5EF4-FFF2-40B4-BE49-F238E27FC236}">
+                <a16:creationId xmlns:a16="http://schemas.microsoft.com/office/drawing/2014/main" id="{5F7CBB05-3D5C-4E52-7217-C62860AD2B2A}"/>
+              </a:ext>
+            </a:extLst>
+          </p:cNvPr>
+          <p:cNvSpPr txBox="1"/>
+          <p:nvPr/>
+        </p:nvSpPr>
+        <p:spPr>
+          <a:xfrm>
+            <a:off x="1577942" y="1011372"/>
+            <a:ext cx="746060" cy="338554"/>
+          </a:xfrm>
+          <a:prstGeom prst="rect">
+            <a:avLst/>
+          </a:prstGeom>
+          <a:noFill/>
+        </p:spPr>
+        <p:txBody>
+          <a:bodyPr wrap="square" rtlCol="0">
+            <a:spAutoFit/>
+          </a:bodyPr>
+          <a:lstStyle/>
+          <a:p>
+            <a:r>
+              <a:rPr lang="en-IN" sz="800" dirty="0"/>
+              <a:t>SNW Template</a:t>
+            </a:r>
+          </a:p>
+        </p:txBody>
+      </p:sp>
+      <p:sp>
+        <p:nvSpPr>
+          <p:cNvPr id="8" name="TextBox 7">
+            <a:extLst>
+              <a:ext uri="{FF2B5EF4-FFF2-40B4-BE49-F238E27FC236}">
+                <a16:creationId xmlns:a16="http://schemas.microsoft.com/office/drawing/2014/main" id="{EB807984-D9D0-4C08-BAF2-DD811B7E9ABB}"/>
+              </a:ext>
+            </a:extLst>
+          </p:cNvPr>
+          <p:cNvSpPr txBox="1"/>
+          <p:nvPr/>
+        </p:nvSpPr>
+        <p:spPr>
+          <a:xfrm>
+            <a:off x="1060894" y="2023770"/>
+            <a:ext cx="1014171" cy="338554"/>
+          </a:xfrm>
+          <a:prstGeom prst="rect">
+            <a:avLst/>
+          </a:prstGeom>
+          <a:noFill/>
+        </p:spPr>
+        <p:txBody>
+          <a:bodyPr wrap="square" rtlCol="0">
+            <a:spAutoFit/>
+          </a:bodyPr>
+          <a:lstStyle/>
+          <a:p>
+            <a:r>
+              <a:rPr lang="en-IN" sz="800" dirty="0"/>
+              <a:t>Details for SNW Template</a:t>
+            </a:r>
+          </a:p>
+        </p:txBody>
+      </p:sp>
+      <p:sp>
+        <p:nvSpPr>
+          <p:cNvPr id="9" name="TextBox 8">
+            <a:extLst>
+              <a:ext uri="{FF2B5EF4-FFF2-40B4-BE49-F238E27FC236}">
+                <a16:creationId xmlns:a16="http://schemas.microsoft.com/office/drawing/2014/main" id="{93E6FC19-3CE5-5A7A-2280-2B1CA062E063}"/>
+              </a:ext>
+            </a:extLst>
+          </p:cNvPr>
+          <p:cNvSpPr txBox="1"/>
+          <p:nvPr/>
+        </p:nvSpPr>
+        <p:spPr>
+          <a:xfrm>
+            <a:off x="1129577" y="2586608"/>
+            <a:ext cx="1014171" cy="461665"/>
+          </a:xfrm>
+          <a:prstGeom prst="rect">
+            <a:avLst/>
+          </a:prstGeom>
+          <a:noFill/>
+        </p:spPr>
+        <p:txBody>
+          <a:bodyPr wrap="square" rtlCol="0">
+            <a:spAutoFit/>
+          </a:bodyPr>
+          <a:lstStyle/>
+          <a:p>
+            <a:r>
+              <a:rPr lang="en-IN" sz="800" dirty="0"/>
+              <a:t>Successful Response from </a:t>
+            </a:r>
+            <a:r>
+              <a:rPr lang="en-IN" sz="800" dirty="0" err="1"/>
+              <a:t>SubAgent</a:t>
+            </a:r>
+            <a:endParaRPr lang="en-IN" sz="800" dirty="0"/>
           </a:p>
         </p:txBody>
       </p:sp>
